--- a/diagrams/modelling/modellingStructures/classDiagramsIntermediate/a-classDiagramForItemEtc.pptx
+++ b/diagrams/modelling/modellingStructures/classDiagramsIntermediate/a-classDiagramForItemEtc.pptx
@@ -6,6 +6,7 @@
   </p:sldMasterIdLst>
   <p:sldIdLst>
     <p:sldId id="257" r:id="rId2"/>
+    <p:sldId id="258" r:id="rId3"/>
   </p:sldIdLst>
   <p:sldSz cx="9144000" cy="6858000" type="screen4x3"/>
   <p:notesSz cx="6858000" cy="9144000"/>
@@ -304,7 +305,7 @@
           <a:p>
             <a:fld id="{A0F86979-30DA-49EE-A740-32EBA6D2B7DE}" type="datetimeFigureOut">
               <a:rPr lang="en-SG" smtClean="0"/>
-              <a:t>9/10/2018</a:t>
+              <a:t>8/10/2019</a:t>
             </a:fld>
             <a:endParaRPr lang="en-SG"/>
           </a:p>
@@ -474,7 +475,7 @@
           <a:p>
             <a:fld id="{A0F86979-30DA-49EE-A740-32EBA6D2B7DE}" type="datetimeFigureOut">
               <a:rPr lang="en-SG" smtClean="0"/>
-              <a:t>9/10/2018</a:t>
+              <a:t>8/10/2019</a:t>
             </a:fld>
             <a:endParaRPr lang="en-SG"/>
           </a:p>
@@ -654,7 +655,7 @@
           <a:p>
             <a:fld id="{A0F86979-30DA-49EE-A740-32EBA6D2B7DE}" type="datetimeFigureOut">
               <a:rPr lang="en-SG" smtClean="0"/>
-              <a:t>9/10/2018</a:t>
+              <a:t>8/10/2019</a:t>
             </a:fld>
             <a:endParaRPr lang="en-SG"/>
           </a:p>
@@ -824,7 +825,7 @@
           <a:p>
             <a:fld id="{A0F86979-30DA-49EE-A740-32EBA6D2B7DE}" type="datetimeFigureOut">
               <a:rPr lang="en-SG" smtClean="0"/>
-              <a:t>9/10/2018</a:t>
+              <a:t>8/10/2019</a:t>
             </a:fld>
             <a:endParaRPr lang="en-SG"/>
           </a:p>
@@ -1070,7 +1071,7 @@
           <a:p>
             <a:fld id="{A0F86979-30DA-49EE-A740-32EBA6D2B7DE}" type="datetimeFigureOut">
               <a:rPr lang="en-SG" smtClean="0"/>
-              <a:t>9/10/2018</a:t>
+              <a:t>8/10/2019</a:t>
             </a:fld>
             <a:endParaRPr lang="en-SG"/>
           </a:p>
@@ -1358,7 +1359,7 @@
           <a:p>
             <a:fld id="{A0F86979-30DA-49EE-A740-32EBA6D2B7DE}" type="datetimeFigureOut">
               <a:rPr lang="en-SG" smtClean="0"/>
-              <a:t>9/10/2018</a:t>
+              <a:t>8/10/2019</a:t>
             </a:fld>
             <a:endParaRPr lang="en-SG"/>
           </a:p>
@@ -1780,7 +1781,7 @@
           <a:p>
             <a:fld id="{A0F86979-30DA-49EE-A740-32EBA6D2B7DE}" type="datetimeFigureOut">
               <a:rPr lang="en-SG" smtClean="0"/>
-              <a:t>9/10/2018</a:t>
+              <a:t>8/10/2019</a:t>
             </a:fld>
             <a:endParaRPr lang="en-SG"/>
           </a:p>
@@ -1898,7 +1899,7 @@
           <a:p>
             <a:fld id="{A0F86979-30DA-49EE-A740-32EBA6D2B7DE}" type="datetimeFigureOut">
               <a:rPr lang="en-SG" smtClean="0"/>
-              <a:t>9/10/2018</a:t>
+              <a:t>8/10/2019</a:t>
             </a:fld>
             <a:endParaRPr lang="en-SG"/>
           </a:p>
@@ -1993,7 +1994,7 @@
           <a:p>
             <a:fld id="{A0F86979-30DA-49EE-A740-32EBA6D2B7DE}" type="datetimeFigureOut">
               <a:rPr lang="en-SG" smtClean="0"/>
-              <a:t>9/10/2018</a:t>
+              <a:t>8/10/2019</a:t>
             </a:fld>
             <a:endParaRPr lang="en-SG"/>
           </a:p>
@@ -2270,7 +2271,7 @@
           <a:p>
             <a:fld id="{A0F86979-30DA-49EE-A740-32EBA6D2B7DE}" type="datetimeFigureOut">
               <a:rPr lang="en-SG" smtClean="0"/>
-              <a:t>9/10/2018</a:t>
+              <a:t>8/10/2019</a:t>
             </a:fld>
             <a:endParaRPr lang="en-SG"/>
           </a:p>
@@ -2523,7 +2524,7 @@
           <a:p>
             <a:fld id="{A0F86979-30DA-49EE-A740-32EBA6D2B7DE}" type="datetimeFigureOut">
               <a:rPr lang="en-SG" smtClean="0"/>
-              <a:t>9/10/2018</a:t>
+              <a:t>8/10/2019</a:t>
             </a:fld>
             <a:endParaRPr lang="en-SG"/>
           </a:p>
@@ -2736,7 +2737,7 @@
           <a:p>
             <a:fld id="{A0F86979-30DA-49EE-A740-32EBA6D2B7DE}" type="datetimeFigureOut">
               <a:rPr lang="en-SG" smtClean="0"/>
-              <a:t>9/10/2018</a:t>
+              <a:t>8/10/2019</a:t>
             </a:fld>
             <a:endParaRPr lang="en-SG"/>
           </a:p>
@@ -3293,8 +3294,8 @@
         </p:nvSpPr>
         <p:spPr>
           <a:xfrm>
-            <a:off x="1187624" y="3537109"/>
-            <a:ext cx="1268843" cy="312344"/>
+            <a:off x="1124182" y="3537109"/>
+            <a:ext cx="1395727" cy="312344"/>
           </a:xfrm>
           <a:prstGeom prst="rect">
             <a:avLst/>
@@ -3403,15 +3404,15 @@
         <p:nvCxnSpPr>
           <p:cNvPr id="30" name="Elbow Connector 29"/>
           <p:cNvCxnSpPr>
-            <a:stCxn id="69" idx="1"/>
+            <a:stCxn id="61" idx="1"/>
             <a:endCxn id="15" idx="3"/>
           </p:cNvCxnSpPr>
           <p:nvPr/>
         </p:nvCxnSpPr>
         <p:spPr>
           <a:xfrm rot="10800000" flipV="1">
-            <a:off x="2456468" y="3687489"/>
-            <a:ext cx="763441" cy="5791"/>
+            <a:off x="2519909" y="3687489"/>
+            <a:ext cx="699088" cy="5791"/>
           </a:xfrm>
           <a:prstGeom prst="bentConnector3">
             <a:avLst>
@@ -3498,8 +3499,8 @@
         </p:nvSpPr>
         <p:spPr>
           <a:xfrm>
-            <a:off x="3491880" y="3139375"/>
-            <a:ext cx="1648839" cy="310743"/>
+            <a:off x="3218997" y="3139375"/>
+            <a:ext cx="2194605" cy="310743"/>
           </a:xfrm>
           <a:prstGeom prst="rect">
             <a:avLst/>
@@ -3623,8 +3624,8 @@
         </p:nvSpPr>
         <p:spPr>
           <a:xfrm>
-            <a:off x="3491880" y="3445118"/>
-            <a:ext cx="1648839" cy="484744"/>
+            <a:off x="3218997" y="3445118"/>
+            <a:ext cx="2194605" cy="484744"/>
           </a:xfrm>
           <a:prstGeom prst="rect">
             <a:avLst/>
@@ -3668,8 +3669,8 @@
         </p:nvSpPr>
         <p:spPr>
           <a:xfrm>
-            <a:off x="3491880" y="3933056"/>
-            <a:ext cx="1648839" cy="484744"/>
+            <a:off x="3218997" y="3933055"/>
+            <a:ext cx="2194605" cy="803893"/>
           </a:xfrm>
           <a:prstGeom prst="rect">
             <a:avLst/>
@@ -3692,8 +3693,22 @@
           </a:fontRef>
         </p:style>
         <p:txBody>
-          <a:bodyPr rtlCol="0" anchor="ctr"/>
-          <a:lstStyle/>
+          <a:bodyPr rtlCol="0" anchor="t"/>
+          <a:lstStyle/>
+          <a:p>
+            <a:r>
+              <a:rPr lang="en-US" sz="1400" dirty="0" smtClean="0"/>
+              <a:t>+</a:t>
+            </a:r>
+            <a:r>
+              <a:rPr lang="en-US" sz="1400" dirty="0" err="1" smtClean="0"/>
+              <a:t>StockItem</a:t>
+            </a:r>
+            <a:r>
+              <a:rPr lang="en-US" sz="1400" dirty="0" smtClean="0"/>
+              <a:t>(String, Rating)</a:t>
+            </a:r>
+          </a:p>
           <a:p>
             <a:r>
               <a:rPr lang="en-US" sz="1400" dirty="0" smtClean="0"/>
@@ -3711,18 +3726,261 @@
       </p:sp>
       <p:sp>
         <p:nvSpPr>
-          <p:cNvPr id="69" name="Flowchart: Decision 68"/>
+          <p:cNvPr id="80" name="Rectangle 79"/>
           <p:cNvSpPr/>
           <p:nvPr/>
         </p:nvSpPr>
         <p:spPr>
           <a:xfrm>
-            <a:off x="3219908" y="3547707"/>
-            <a:ext cx="266061" cy="279566"/>
-          </a:xfrm>
-          <a:prstGeom prst="flowChartDecision">
+            <a:off x="6076397" y="2029077"/>
+            <a:ext cx="1878080" cy="137669"/>
+          </a:xfrm>
+          <a:prstGeom prst="rect">
             <a:avLst/>
           </a:prstGeom>
+        </p:spPr>
+        <p:style>
+          <a:lnRef idx="2">
+            <a:schemeClr val="accent5">
+              <a:shade val="50000"/>
+            </a:schemeClr>
+          </a:lnRef>
+          <a:fillRef idx="1">
+            <a:schemeClr val="accent5"/>
+          </a:fillRef>
+          <a:effectRef idx="0">
+            <a:schemeClr val="accent5"/>
+          </a:effectRef>
+          <a:fontRef idx="minor">
+            <a:schemeClr val="lt1"/>
+          </a:fontRef>
+        </p:style>
+        <p:txBody>
+          <a:bodyPr rtlCol="0" anchor="ctr"/>
+          <a:lstStyle/>
+          <a:p>
+            <a:pPr algn="ctr"/>
+            <a:endParaRPr lang="en-SG" sz="1400" dirty="0"/>
+          </a:p>
+        </p:txBody>
+      </p:sp>
+      <p:sp>
+        <p:nvSpPr>
+          <p:cNvPr id="81" name="Rectangle 80"/>
+          <p:cNvSpPr/>
+          <p:nvPr/>
+        </p:nvSpPr>
+        <p:spPr>
+          <a:xfrm>
+            <a:off x="6078296" y="2164634"/>
+            <a:ext cx="1878080" cy="821789"/>
+          </a:xfrm>
+          <a:prstGeom prst="rect">
+            <a:avLst/>
+          </a:prstGeom>
+        </p:spPr>
+        <p:style>
+          <a:lnRef idx="2">
+            <a:schemeClr val="accent5">
+              <a:shade val="50000"/>
+            </a:schemeClr>
+          </a:lnRef>
+          <a:fillRef idx="1">
+            <a:schemeClr val="accent5"/>
+          </a:fillRef>
+          <a:effectRef idx="0">
+            <a:schemeClr val="accent5"/>
+          </a:effectRef>
+          <a:fontRef idx="minor">
+            <a:schemeClr val="lt1"/>
+          </a:fontRef>
+        </p:style>
+        <p:txBody>
+          <a:bodyPr rtlCol="0" anchor="ctr"/>
+          <a:lstStyle/>
+          <a:p>
+            <a:r>
+              <a:rPr lang="en-SG" sz="1400" dirty="0" smtClean="0"/>
+              <a:t>+add(</a:t>
+            </a:r>
+            <a:r>
+              <a:rPr lang="en-SG" sz="1400" dirty="0" err="1" smtClean="0"/>
+              <a:t>StockItem</a:t>
+            </a:r>
+            <a:r>
+              <a:rPr lang="en-SG" sz="1400" dirty="0" smtClean="0"/>
+              <a:t>)</a:t>
+            </a:r>
+          </a:p>
+          <a:p>
+            <a:r>
+              <a:rPr lang="en-SG" sz="1400" dirty="0" smtClean="0"/>
+              <a:t>+</a:t>
+            </a:r>
+            <a:r>
+              <a:rPr lang="en-SG" sz="1400" dirty="0" err="1" smtClean="0"/>
+              <a:t>generateBill</a:t>
+            </a:r>
+            <a:r>
+              <a:rPr lang="en-SG" sz="1400" dirty="0" smtClean="0"/>
+              <a:t>(Billable)</a:t>
+            </a:r>
+          </a:p>
+          <a:p>
+            <a:r>
+              <a:rPr lang="en-SG" sz="1400" dirty="0" smtClean="0"/>
+              <a:t>+</a:t>
+            </a:r>
+            <a:r>
+              <a:rPr lang="en-SG" sz="1400" dirty="0" err="1" smtClean="0"/>
+              <a:t>getItemCount</a:t>
+            </a:r>
+            <a:r>
+              <a:rPr lang="en-SG" sz="1400" dirty="0" smtClean="0"/>
+              <a:t>()</a:t>
+            </a:r>
+            <a:endParaRPr lang="en-SG" sz="1400" dirty="0"/>
+          </a:p>
+        </p:txBody>
+      </p:sp>
+      <p:sp>
+        <p:nvSpPr>
+          <p:cNvPr id="52" name="Rectangle 51"/>
+          <p:cNvSpPr/>
+          <p:nvPr/>
+        </p:nvSpPr>
+        <p:spPr>
+          <a:xfrm>
+            <a:off x="1034731" y="1940559"/>
+            <a:ext cx="1576377" cy="540059"/>
+          </a:xfrm>
+          <a:prstGeom prst="rect">
+            <a:avLst/>
+          </a:prstGeom>
+          <a:solidFill>
+            <a:srgbClr val="00B050"/>
+          </a:solidFill>
+          <a:ln>
+            <a:solidFill>
+              <a:schemeClr val="accent3">
+                <a:lumMod val="50000"/>
+              </a:schemeClr>
+            </a:solidFill>
+          </a:ln>
+        </p:spPr>
+        <p:style>
+          <a:lnRef idx="2">
+            <a:schemeClr val="accent1">
+              <a:shade val="50000"/>
+            </a:schemeClr>
+          </a:lnRef>
+          <a:fillRef idx="1">
+            <a:schemeClr val="accent1"/>
+          </a:fillRef>
+          <a:effectRef idx="0">
+            <a:schemeClr val="accent1"/>
+          </a:effectRef>
+          <a:fontRef idx="minor">
+            <a:schemeClr val="lt1"/>
+          </a:fontRef>
+        </p:style>
+        <p:txBody>
+          <a:bodyPr rtlCol="0" anchor="ctr"/>
+          <a:lstStyle/>
+          <a:p>
+            <a:pPr algn="ctr"/>
+            <a:r>
+              <a:rPr lang="en-US" sz="1400" dirty="0" smtClean="0"/>
+              <a:t>&lt;&lt;enumeration&gt;&gt;</a:t>
+            </a:r>
+            <a:br>
+              <a:rPr lang="en-US" sz="1400" dirty="0" smtClean="0"/>
+            </a:br>
+            <a:r>
+              <a:rPr lang="en-US" sz="1400" dirty="0" smtClean="0"/>
+              <a:t>Rating</a:t>
+            </a:r>
+            <a:endParaRPr lang="en-SG" sz="1400" dirty="0"/>
+          </a:p>
+        </p:txBody>
+      </p:sp>
+      <p:sp>
+        <p:nvSpPr>
+          <p:cNvPr id="55" name="Rectangle 54"/>
+          <p:cNvSpPr/>
+          <p:nvPr/>
+        </p:nvSpPr>
+        <p:spPr>
+          <a:xfrm>
+            <a:off x="1034730" y="2479476"/>
+            <a:ext cx="1576377" cy="344841"/>
+          </a:xfrm>
+          <a:prstGeom prst="rect">
+            <a:avLst/>
+          </a:prstGeom>
+          <a:solidFill>
+            <a:srgbClr val="00B050"/>
+          </a:solidFill>
+          <a:ln>
+            <a:solidFill>
+              <a:schemeClr val="accent3">
+                <a:lumMod val="50000"/>
+              </a:schemeClr>
+            </a:solidFill>
+          </a:ln>
+        </p:spPr>
+        <p:style>
+          <a:lnRef idx="2">
+            <a:schemeClr val="accent1">
+              <a:shade val="50000"/>
+            </a:schemeClr>
+          </a:lnRef>
+          <a:fillRef idx="1">
+            <a:schemeClr val="accent1"/>
+          </a:fillRef>
+          <a:effectRef idx="0">
+            <a:schemeClr val="accent1"/>
+          </a:effectRef>
+          <a:fontRef idx="minor">
+            <a:schemeClr val="lt1"/>
+          </a:fontRef>
+        </p:style>
+        <p:txBody>
+          <a:bodyPr rtlCol="0" anchor="ctr"/>
+          <a:lstStyle/>
+          <a:p>
+            <a:pPr algn="ctr"/>
+            <a:r>
+              <a:rPr lang="en-US" sz="1400" dirty="0" smtClean="0"/>
+              <a:t>GOOD, OK, POOR</a:t>
+            </a:r>
+            <a:endParaRPr lang="en-SG" sz="1400" dirty="0"/>
+          </a:p>
+        </p:txBody>
+      </p:sp>
+      <p:cxnSp>
+        <p:nvCxnSpPr>
+          <p:cNvPr id="58" name="Elbow Connector 57"/>
+          <p:cNvCxnSpPr>
+            <a:stCxn id="15" idx="0"/>
+            <a:endCxn id="55" idx="2"/>
+          </p:cNvCxnSpPr>
+          <p:nvPr/>
+        </p:nvCxnSpPr>
+        <p:spPr>
+          <a:xfrm rot="5400000" flipH="1" flipV="1">
+            <a:off x="1466086" y="3180277"/>
+            <a:ext cx="712792" cy="873"/>
+          </a:xfrm>
+          <a:prstGeom prst="bentConnector3">
+            <a:avLst>
+              <a:gd name="adj1" fmla="val 50000"/>
+            </a:avLst>
+          </a:prstGeom>
+          <a:ln>
+            <a:prstDash val="solid"/>
+            <a:tailEnd type="arrow"/>
+          </a:ln>
         </p:spPr>
         <p:style>
           <a:lnRef idx="2">
@@ -3740,29 +3998,109 @@
             <a:schemeClr val="lt1"/>
           </a:fontRef>
         </p:style>
-        <p:txBody>
-          <a:bodyPr rtlCol="0" anchor="ctr"/>
-          <a:lstStyle/>
-          <a:p>
-            <a:pPr algn="ctr"/>
-            <a:endParaRPr lang="en-US" sz="1400"/>
-          </a:p>
-        </p:txBody>
-      </p:sp>
-      <p:sp>
-        <p:nvSpPr>
-          <p:cNvPr id="80" name="Rectangle 79"/>
+      </p:cxnSp>
+      <p:sp>
+        <p:nvSpPr>
+          <p:cNvPr id="83" name="Rectangle 82"/>
           <p:cNvSpPr/>
           <p:nvPr/>
         </p:nvSpPr>
         <p:spPr>
           <a:xfrm>
-            <a:off x="6076397" y="2029077"/>
-            <a:ext cx="1878080" cy="137669"/>
+            <a:off x="3559349" y="2185569"/>
+            <a:ext cx="1513900" cy="298463"/>
           </a:xfrm>
           <a:prstGeom prst="rect">
             <a:avLst/>
           </a:prstGeom>
+        </p:spPr>
+        <p:style>
+          <a:lnRef idx="2">
+            <a:schemeClr val="accent2">
+              <a:shade val="50000"/>
+            </a:schemeClr>
+          </a:lnRef>
+          <a:fillRef idx="1">
+            <a:schemeClr val="accent2"/>
+          </a:fillRef>
+          <a:effectRef idx="0">
+            <a:schemeClr val="accent2"/>
+          </a:effectRef>
+          <a:fontRef idx="minor">
+            <a:schemeClr val="lt1"/>
+          </a:fontRef>
+        </p:style>
+        <p:txBody>
+          <a:bodyPr rtlCol="0" anchor="ctr"/>
+          <a:lstStyle/>
+          <a:p>
+            <a:endParaRPr lang="en-US" sz="1400" dirty="0" smtClean="0"/>
+          </a:p>
+        </p:txBody>
+      </p:sp>
+      <p:sp>
+        <p:nvSpPr>
+          <p:cNvPr id="79" name="Rectangle 78"/>
+          <p:cNvSpPr/>
+          <p:nvPr/>
+        </p:nvSpPr>
+        <p:spPr>
+          <a:xfrm>
+            <a:off x="3559349" y="2315582"/>
+            <a:ext cx="1513900" cy="298463"/>
+          </a:xfrm>
+          <a:prstGeom prst="rect">
+            <a:avLst/>
+          </a:prstGeom>
+        </p:spPr>
+        <p:style>
+          <a:lnRef idx="2">
+            <a:schemeClr val="accent2">
+              <a:shade val="50000"/>
+            </a:schemeClr>
+          </a:lnRef>
+          <a:fillRef idx="1">
+            <a:schemeClr val="accent2"/>
+          </a:fillRef>
+          <a:effectRef idx="0">
+            <a:schemeClr val="accent2"/>
+          </a:effectRef>
+          <a:fontRef idx="minor">
+            <a:schemeClr val="lt1"/>
+          </a:fontRef>
+        </p:style>
+        <p:txBody>
+          <a:bodyPr rtlCol="0" anchor="ctr"/>
+          <a:lstStyle/>
+          <a:p>
+            <a:r>
+              <a:rPr lang="en-US" sz="1400" dirty="0" smtClean="0"/>
+              <a:t>+print() {abstract}</a:t>
+            </a:r>
+          </a:p>
+        </p:txBody>
+      </p:sp>
+      <p:cxnSp>
+        <p:nvCxnSpPr>
+          <p:cNvPr id="103" name="Elbow Connector 102"/>
+          <p:cNvCxnSpPr>
+            <a:stCxn id="5" idx="0"/>
+            <a:endCxn id="4" idx="3"/>
+          </p:cNvCxnSpPr>
+          <p:nvPr/>
+        </p:nvCxnSpPr>
+        <p:spPr>
+          <a:xfrm rot="16200000" flipV="1">
+            <a:off x="5994441" y="722443"/>
+            <a:ext cx="1071939" cy="970054"/>
+          </a:xfrm>
+          <a:prstGeom prst="bentConnector2">
+            <a:avLst/>
+          </a:prstGeom>
+          <a:ln>
+            <a:prstDash val="sysDash"/>
+            <a:tailEnd type="arrow"/>
+          </a:ln>
         </p:spPr>
         <p:style>
           <a:lnRef idx="2">
@@ -3780,6 +4118,160 @@
             <a:schemeClr val="lt1"/>
           </a:fontRef>
         </p:style>
+      </p:cxnSp>
+      <p:sp>
+        <p:nvSpPr>
+          <p:cNvPr id="111" name="TextBox 110"/>
+          <p:cNvSpPr txBox="1"/>
+          <p:nvPr/>
+        </p:nvSpPr>
+        <p:spPr>
+          <a:xfrm>
+            <a:off x="2502631" y="3707349"/>
+            <a:ext cx="275507" cy="307777"/>
+          </a:xfrm>
+          <a:prstGeom prst="rect">
+            <a:avLst/>
+          </a:prstGeom>
+          <a:noFill/>
+        </p:spPr>
+        <p:txBody>
+          <a:bodyPr wrap="square" rtlCol="0">
+            <a:spAutoFit/>
+          </a:bodyPr>
+          <a:lstStyle/>
+          <a:p>
+            <a:r>
+              <a:rPr lang="en-US" sz="1400" dirty="0"/>
+              <a:t>1</a:t>
+            </a:r>
+            <a:endParaRPr lang="en-SG" sz="1400" dirty="0"/>
+          </a:p>
+        </p:txBody>
+      </p:sp>
+      <p:sp>
+        <p:nvSpPr>
+          <p:cNvPr id="113" name="Rectangle 112"/>
+          <p:cNvSpPr/>
+          <p:nvPr/>
+        </p:nvSpPr>
+        <p:spPr>
+          <a:xfrm>
+            <a:off x="1124182" y="3843661"/>
+            <a:ext cx="1395727" cy="312344"/>
+          </a:xfrm>
+          <a:prstGeom prst="rect">
+            <a:avLst/>
+          </a:prstGeom>
+        </p:spPr>
+        <p:style>
+          <a:lnRef idx="2">
+            <a:schemeClr val="accent6">
+              <a:shade val="50000"/>
+            </a:schemeClr>
+          </a:lnRef>
+          <a:fillRef idx="1">
+            <a:schemeClr val="accent6"/>
+          </a:fillRef>
+          <a:effectRef idx="0">
+            <a:schemeClr val="accent6"/>
+          </a:effectRef>
+          <a:fontRef idx="minor">
+            <a:schemeClr val="lt1"/>
+          </a:fontRef>
+        </p:style>
+        <p:txBody>
+          <a:bodyPr rtlCol="0" anchor="ctr"/>
+          <a:lstStyle/>
+          <a:p>
+            <a:r>
+              <a:rPr lang="en-US" sz="1400" dirty="0" smtClean="0"/>
+              <a:t>+Review(Rating)</a:t>
+            </a:r>
+            <a:endParaRPr lang="en-SG" sz="1400" dirty="0"/>
+          </a:p>
+        </p:txBody>
+      </p:sp>
+      <p:sp>
+        <p:nvSpPr>
+          <p:cNvPr id="118" name="Rectangle 117"/>
+          <p:cNvSpPr/>
+          <p:nvPr/>
+        </p:nvSpPr>
+        <p:spPr>
+          <a:xfrm>
+            <a:off x="4787064" y="1082200"/>
+            <a:ext cx="1258315" cy="347411"/>
+          </a:xfrm>
+          <a:prstGeom prst="rect">
+            <a:avLst/>
+          </a:prstGeom>
+          <a:ln/>
+        </p:spPr>
+        <p:style>
+          <a:lnRef idx="2">
+            <a:schemeClr val="accent3">
+              <a:shade val="50000"/>
+            </a:schemeClr>
+          </a:lnRef>
+          <a:fillRef idx="1">
+            <a:schemeClr val="accent3"/>
+          </a:fillRef>
+          <a:effectRef idx="0">
+            <a:schemeClr val="accent3"/>
+          </a:effectRef>
+          <a:fontRef idx="minor">
+            <a:schemeClr val="lt1"/>
+          </a:fontRef>
+        </p:style>
+        <p:txBody>
+          <a:bodyPr rtlCol="0" anchor="ctr"/>
+          <a:lstStyle/>
+          <a:p>
+            <a:r>
+              <a:rPr lang="en-US" sz="1400" dirty="0"/>
+              <a:t>b</a:t>
+            </a:r>
+            <a:r>
+              <a:rPr lang="en-US" sz="1400" dirty="0" smtClean="0"/>
+              <a:t>ill()</a:t>
+            </a:r>
+            <a:endParaRPr lang="en-SG" sz="1400" dirty="0"/>
+          </a:p>
+        </p:txBody>
+      </p:sp>
+      <p:sp>
+        <p:nvSpPr>
+          <p:cNvPr id="119" name="Rectangle 118"/>
+          <p:cNvSpPr/>
+          <p:nvPr/>
+        </p:nvSpPr>
+        <p:spPr>
+          <a:xfrm>
+            <a:off x="4787066" y="903537"/>
+            <a:ext cx="1258315" cy="205345"/>
+          </a:xfrm>
+          <a:prstGeom prst="rect">
+            <a:avLst/>
+          </a:prstGeom>
+          <a:ln/>
+        </p:spPr>
+        <p:style>
+          <a:lnRef idx="2">
+            <a:schemeClr val="accent3">
+              <a:shade val="50000"/>
+            </a:schemeClr>
+          </a:lnRef>
+          <a:fillRef idx="1">
+            <a:schemeClr val="accent3"/>
+          </a:fillRef>
+          <a:effectRef idx="0">
+            <a:schemeClr val="accent3"/>
+          </a:effectRef>
+          <a:fontRef idx="minor">
+            <a:schemeClr val="lt1"/>
+          </a:fontRef>
+        </p:style>
         <p:txBody>
           <a:bodyPr rtlCol="0" anchor="ctr"/>
           <a:lstStyle/>
@@ -3791,14 +4283,14 @@
       </p:sp>
       <p:sp>
         <p:nvSpPr>
-          <p:cNvPr id="81" name="Rectangle 80"/>
+          <p:cNvPr id="29" name="Rectangle 28"/>
           <p:cNvSpPr/>
           <p:nvPr/>
         </p:nvSpPr>
         <p:spPr>
           <a:xfrm>
-            <a:off x="6078296" y="2164634"/>
-            <a:ext cx="1878080" cy="821789"/>
+            <a:off x="7444882" y="5617126"/>
+            <a:ext cx="1219302" cy="294050"/>
           </a:xfrm>
           <a:prstGeom prst="rect">
             <a:avLst/>
@@ -3824,86 +4316,41 @@
           <a:bodyPr rtlCol="0" anchor="ctr"/>
           <a:lstStyle/>
           <a:p>
-            <a:r>
-              <a:rPr lang="en-SG" sz="1400" dirty="0" smtClean="0"/>
-              <a:t>+add(</a:t>
-            </a:r>
-            <a:r>
-              <a:rPr lang="en-SG" sz="1400" dirty="0" err="1" smtClean="0"/>
-              <a:t>StockItem</a:t>
-            </a:r>
-            <a:r>
-              <a:rPr lang="en-SG" sz="1400" dirty="0" smtClean="0"/>
-              <a:t>)</a:t>
-            </a:r>
-          </a:p>
-          <a:p>
-            <a:r>
-              <a:rPr lang="en-SG" sz="1400" dirty="0" smtClean="0"/>
-              <a:t>+</a:t>
-            </a:r>
-            <a:r>
-              <a:rPr lang="en-SG" sz="1400" dirty="0" err="1" smtClean="0"/>
-              <a:t>generateBill</a:t>
-            </a:r>
-            <a:r>
-              <a:rPr lang="en-SG" sz="1400" dirty="0" smtClean="0"/>
-              <a:t>(Billable)</a:t>
-            </a:r>
-          </a:p>
-          <a:p>
-            <a:r>
-              <a:rPr lang="en-SG" sz="1400" dirty="0" smtClean="0"/>
-              <a:t>+</a:t>
-            </a:r>
-            <a:r>
-              <a:rPr lang="en-SG" sz="1400" dirty="0" err="1" smtClean="0"/>
-              <a:t>getItemCount</a:t>
-            </a:r>
-            <a:r>
-              <a:rPr lang="en-SG" sz="1400" dirty="0" smtClean="0"/>
-              <a:t>()</a:t>
-            </a:r>
-            <a:endParaRPr lang="en-SG" sz="1400" dirty="0"/>
-          </a:p>
-        </p:txBody>
-      </p:sp>
-      <p:sp>
-        <p:nvSpPr>
-          <p:cNvPr id="52" name="Rectangle 51"/>
+            <a:pPr algn="ctr"/>
+            <a:r>
+              <a:rPr lang="en-US" sz="1400" u="sng" dirty="0" smtClean="0"/>
+              <a:t>:Inventory</a:t>
+            </a:r>
+            <a:endParaRPr lang="en-SG" sz="1400" u="sng" dirty="0"/>
+          </a:p>
+        </p:txBody>
+      </p:sp>
+      <p:sp>
+        <p:nvSpPr>
+          <p:cNvPr id="31" name="Rectangle 30"/>
           <p:cNvSpPr/>
           <p:nvPr/>
         </p:nvSpPr>
         <p:spPr>
           <a:xfrm>
-            <a:off x="1034731" y="1940559"/>
-            <a:ext cx="1576377" cy="540059"/>
+            <a:off x="4915901" y="5625708"/>
+            <a:ext cx="1648839" cy="310743"/>
           </a:xfrm>
           <a:prstGeom prst="rect">
             <a:avLst/>
           </a:prstGeom>
-          <a:solidFill>
-            <a:srgbClr val="00B050"/>
-          </a:solidFill>
-          <a:ln>
-            <a:solidFill>
-              <a:schemeClr val="accent3">
-                <a:lumMod val="50000"/>
-              </a:schemeClr>
-            </a:solidFill>
-          </a:ln>
         </p:spPr>
         <p:style>
           <a:lnRef idx="2">
-            <a:schemeClr val="accent1">
+            <a:schemeClr val="accent2">
               <a:shade val="50000"/>
             </a:schemeClr>
           </a:lnRef>
           <a:fillRef idx="1">
-            <a:schemeClr val="accent1"/>
+            <a:schemeClr val="accent2"/>
           </a:fillRef>
           <a:effectRef idx="0">
-            <a:schemeClr val="accent1"/>
+            <a:schemeClr val="accent2"/>
           </a:effectRef>
           <a:fontRef idx="minor">
             <a:schemeClr val="lt1"/>
@@ -3915,56 +4362,43 @@
           <a:p>
             <a:pPr algn="ctr"/>
             <a:r>
-              <a:rPr lang="en-US" sz="1400" dirty="0" smtClean="0"/>
-              <a:t>&lt;&lt;enumeration&gt;&gt;</a:t>
-            </a:r>
-            <a:br>
-              <a:rPr lang="en-US" sz="1400" dirty="0" smtClean="0"/>
-            </a:br>
-            <a:r>
-              <a:rPr lang="en-US" sz="1400" dirty="0" smtClean="0"/>
-              <a:t>Rating</a:t>
-            </a:r>
-            <a:endParaRPr lang="en-SG" sz="1400" dirty="0"/>
-          </a:p>
-        </p:txBody>
-      </p:sp>
-      <p:sp>
-        <p:nvSpPr>
-          <p:cNvPr id="55" name="Rectangle 54"/>
+              <a:rPr lang="en-US" sz="1400" u="sng" dirty="0" smtClean="0"/>
+              <a:t>:</a:t>
+            </a:r>
+            <a:r>
+              <a:rPr lang="en-US" sz="1400" u="sng" dirty="0" err="1" smtClean="0"/>
+              <a:t>StockItem</a:t>
+            </a:r>
+            <a:endParaRPr lang="en-SG" sz="1400" u="sng" dirty="0"/>
+          </a:p>
+        </p:txBody>
+      </p:sp>
+      <p:sp>
+        <p:nvSpPr>
+          <p:cNvPr id="32" name="Rectangle 31"/>
           <p:cNvSpPr/>
           <p:nvPr/>
         </p:nvSpPr>
         <p:spPr>
           <a:xfrm>
-            <a:off x="1034730" y="2479476"/>
-            <a:ext cx="1576377" cy="344841"/>
+            <a:off x="4915901" y="5944265"/>
+            <a:ext cx="1640807" cy="484744"/>
           </a:xfrm>
           <a:prstGeom prst="rect">
             <a:avLst/>
           </a:prstGeom>
-          <a:solidFill>
-            <a:srgbClr val="00B050"/>
-          </a:solidFill>
-          <a:ln>
-            <a:solidFill>
-              <a:schemeClr val="accent3">
-                <a:lumMod val="50000"/>
-              </a:schemeClr>
-            </a:solidFill>
-          </a:ln>
         </p:spPr>
         <p:style>
           <a:lnRef idx="2">
-            <a:schemeClr val="accent1">
+            <a:schemeClr val="accent2">
               <a:shade val="50000"/>
             </a:schemeClr>
           </a:lnRef>
           <a:fillRef idx="1">
-            <a:schemeClr val="accent1"/>
+            <a:schemeClr val="accent2"/>
           </a:fillRef>
           <a:effectRef idx="0">
-            <a:schemeClr val="accent1"/>
+            <a:schemeClr val="accent2"/>
           </a:effectRef>
           <a:fontRef idx="minor">
             <a:schemeClr val="lt1"/>
@@ -3974,28 +4408,204 @@
           <a:bodyPr rtlCol="0" anchor="ctr"/>
           <a:lstStyle/>
           <a:p>
+            <a:r>
+              <a:rPr lang="en-US" sz="1400" dirty="0"/>
+              <a:t>n</a:t>
+            </a:r>
+            <a:r>
+              <a:rPr lang="en-US" sz="1400" dirty="0" smtClean="0"/>
+              <a:t>ame = “spanner”</a:t>
+            </a:r>
+          </a:p>
+          <a:p>
+            <a:endParaRPr lang="en-SG" sz="1400" dirty="0"/>
+          </a:p>
+        </p:txBody>
+      </p:sp>
+      <p:sp>
+        <p:nvSpPr>
+          <p:cNvPr id="33" name="Rectangle 32"/>
+          <p:cNvSpPr/>
+          <p:nvPr/>
+        </p:nvSpPr>
+        <p:spPr>
+          <a:xfrm>
+            <a:off x="2642387" y="5642728"/>
+            <a:ext cx="1268843" cy="312344"/>
+          </a:xfrm>
+          <a:prstGeom prst="rect">
+            <a:avLst/>
+          </a:prstGeom>
+        </p:spPr>
+        <p:style>
+          <a:lnRef idx="2">
+            <a:schemeClr val="accent6">
+              <a:shade val="50000"/>
+            </a:schemeClr>
+          </a:lnRef>
+          <a:fillRef idx="1">
+            <a:schemeClr val="accent6"/>
+          </a:fillRef>
+          <a:effectRef idx="0">
+            <a:schemeClr val="accent6"/>
+          </a:effectRef>
+          <a:fontRef idx="minor">
+            <a:schemeClr val="lt1"/>
+          </a:fontRef>
+        </p:style>
+        <p:txBody>
+          <a:bodyPr rtlCol="0" anchor="ctr"/>
+          <a:lstStyle/>
+          <a:p>
             <a:pPr algn="ctr"/>
             <a:r>
-              <a:rPr lang="en-US" sz="1400" dirty="0" smtClean="0"/>
-              <a:t>GOOD, OK, POOR</a:t>
-            </a:r>
-            <a:endParaRPr lang="en-SG" sz="1400" dirty="0"/>
+              <a:rPr lang="en-US" sz="1400" u="sng" dirty="0" smtClean="0"/>
+              <a:t>:Review</a:t>
+            </a:r>
+            <a:endParaRPr lang="en-SG" sz="1400" u="sng" dirty="0"/>
           </a:p>
         </p:txBody>
       </p:sp>
       <p:cxnSp>
         <p:nvCxnSpPr>
-          <p:cNvPr id="58" name="Elbow Connector 57"/>
+          <p:cNvPr id="34" name="Elbow Connector 33"/>
           <p:cNvCxnSpPr>
-            <a:stCxn id="15" idx="0"/>
-            <a:endCxn id="55" idx="2"/>
+            <a:stCxn id="31" idx="1"/>
+            <a:endCxn id="33" idx="3"/>
           </p:cNvCxnSpPr>
           <p:nvPr/>
         </p:nvCxnSpPr>
         <p:spPr>
-          <a:xfrm rot="5400000" flipH="1" flipV="1">
-            <a:off x="1466086" y="3180277"/>
-            <a:ext cx="712792" cy="873"/>
+          <a:xfrm rot="10800000" flipV="1">
+            <a:off x="3911231" y="5781080"/>
+            <a:ext cx="1004671" cy="17820"/>
+          </a:xfrm>
+          <a:prstGeom prst="bentConnector3">
+            <a:avLst>
+              <a:gd name="adj1" fmla="val 50000"/>
+            </a:avLst>
+          </a:prstGeom>
+          <a:ln>
+            <a:tailEnd type="arrow"/>
+          </a:ln>
+        </p:spPr>
+        <p:style>
+          <a:lnRef idx="2">
+            <a:schemeClr val="accent6">
+              <a:shade val="50000"/>
+            </a:schemeClr>
+          </a:lnRef>
+          <a:fillRef idx="1">
+            <a:schemeClr val="accent6"/>
+          </a:fillRef>
+          <a:effectRef idx="0">
+            <a:schemeClr val="accent6"/>
+          </a:effectRef>
+          <a:fontRef idx="minor">
+            <a:schemeClr val="lt1"/>
+          </a:fontRef>
+        </p:style>
+      </p:cxnSp>
+      <p:sp>
+        <p:nvSpPr>
+          <p:cNvPr id="38" name="Rectangle 37"/>
+          <p:cNvSpPr/>
+          <p:nvPr/>
+        </p:nvSpPr>
+        <p:spPr>
+          <a:xfrm>
+            <a:off x="2642387" y="5949280"/>
+            <a:ext cx="1268843" cy="312344"/>
+          </a:xfrm>
+          <a:prstGeom prst="rect">
+            <a:avLst/>
+          </a:prstGeom>
+        </p:spPr>
+        <p:style>
+          <a:lnRef idx="2">
+            <a:schemeClr val="accent6">
+              <a:shade val="50000"/>
+            </a:schemeClr>
+          </a:lnRef>
+          <a:fillRef idx="1">
+            <a:schemeClr val="accent6"/>
+          </a:fillRef>
+          <a:effectRef idx="0">
+            <a:schemeClr val="accent6"/>
+          </a:effectRef>
+          <a:fontRef idx="minor">
+            <a:schemeClr val="lt1"/>
+          </a:fontRef>
+        </p:style>
+        <p:txBody>
+          <a:bodyPr rtlCol="0" anchor="ctr"/>
+          <a:lstStyle/>
+          <a:p>
+            <a:r>
+              <a:rPr lang="en-US" sz="1400" dirty="0"/>
+              <a:t>r</a:t>
+            </a:r>
+            <a:r>
+              <a:rPr lang="en-US" sz="1400" dirty="0" smtClean="0"/>
+              <a:t>ating=POOR</a:t>
+            </a:r>
+            <a:endParaRPr lang="en-SG" sz="1400" dirty="0"/>
+          </a:p>
+        </p:txBody>
+      </p:sp>
+      <p:cxnSp>
+        <p:nvCxnSpPr>
+          <p:cNvPr id="39" name="Elbow Connector 38"/>
+          <p:cNvCxnSpPr>
+            <a:stCxn id="29" idx="1"/>
+            <a:endCxn id="31" idx="3"/>
+          </p:cNvCxnSpPr>
+          <p:nvPr/>
+        </p:nvCxnSpPr>
+        <p:spPr>
+          <a:xfrm rot="10800000" flipV="1">
+            <a:off x="6564740" y="5764150"/>
+            <a:ext cx="880142" cy="16929"/>
+          </a:xfrm>
+          <a:prstGeom prst="bentConnector3">
+            <a:avLst>
+              <a:gd name="adj1" fmla="val 50000"/>
+            </a:avLst>
+          </a:prstGeom>
+          <a:ln>
+            <a:tailEnd type="arrow"/>
+          </a:ln>
+        </p:spPr>
+        <p:style>
+          <a:lnRef idx="2">
+            <a:schemeClr val="accent5">
+              <a:shade val="50000"/>
+            </a:schemeClr>
+          </a:lnRef>
+          <a:fillRef idx="1">
+            <a:schemeClr val="accent5"/>
+          </a:fillRef>
+          <a:effectRef idx="0">
+            <a:schemeClr val="accent5"/>
+          </a:effectRef>
+          <a:fontRef idx="minor">
+            <a:schemeClr val="lt1"/>
+          </a:fontRef>
+        </p:style>
+      </p:cxnSp>
+      <p:cxnSp>
+        <p:nvCxnSpPr>
+          <p:cNvPr id="40" name="Elbow Connector 39"/>
+          <p:cNvCxnSpPr>
+            <a:stCxn id="49" idx="1"/>
+            <a:endCxn id="52" idx="3"/>
+          </p:cNvCxnSpPr>
+          <p:nvPr/>
+        </p:nvCxnSpPr>
+        <p:spPr>
+          <a:xfrm rot="10800000">
+            <a:off x="2611109" y="2210589"/>
+            <a:ext cx="607889" cy="1084158"/>
           </a:xfrm>
           <a:prstGeom prst="bentConnector3">
             <a:avLst>
@@ -4032,18 +4642,331 @@
       </p:cxnSp>
       <p:sp>
         <p:nvSpPr>
-          <p:cNvPr id="83" name="Rectangle 82"/>
+          <p:cNvPr id="14" name="Rectangle 13"/>
           <p:cNvSpPr/>
           <p:nvPr/>
         </p:nvSpPr>
         <p:spPr>
           <a:xfrm>
-            <a:off x="3559349" y="2185569"/>
-            <a:ext cx="1513900" cy="298463"/>
+            <a:off x="1199559" y="2803014"/>
+            <a:ext cx="610552" cy="307777"/>
           </a:xfrm>
           <a:prstGeom prst="rect">
             <a:avLst/>
           </a:prstGeom>
+        </p:spPr>
+        <p:txBody>
+          <a:bodyPr wrap="none">
+            <a:spAutoFit/>
+          </a:bodyPr>
+          <a:lstStyle/>
+          <a:p>
+            <a:r>
+              <a:rPr lang="en-US" sz="1400" dirty="0"/>
+              <a:t>rating</a:t>
+            </a:r>
+          </a:p>
+        </p:txBody>
+      </p:sp>
+      <p:sp>
+        <p:nvSpPr>
+          <p:cNvPr id="47" name="TextBox 46"/>
+          <p:cNvSpPr txBox="1"/>
+          <p:nvPr/>
+        </p:nvSpPr>
+        <p:spPr>
+          <a:xfrm>
+            <a:off x="1855341" y="2828757"/>
+            <a:ext cx="484411" cy="307777"/>
+          </a:xfrm>
+          <a:prstGeom prst="rect">
+            <a:avLst/>
+          </a:prstGeom>
+          <a:noFill/>
+        </p:spPr>
+        <p:txBody>
+          <a:bodyPr wrap="square" rtlCol="0">
+            <a:spAutoFit/>
+          </a:bodyPr>
+          <a:lstStyle/>
+          <a:p>
+            <a:r>
+              <a:rPr lang="en-US" sz="1400" dirty="0" smtClean="0"/>
+              <a:t>0..1</a:t>
+            </a:r>
+            <a:endParaRPr lang="en-SG" sz="1400" dirty="0"/>
+          </a:p>
+        </p:txBody>
+      </p:sp>
+      <p:sp>
+        <p:nvSpPr>
+          <p:cNvPr id="48" name="TextBox 47"/>
+          <p:cNvSpPr txBox="1"/>
+          <p:nvPr/>
+        </p:nvSpPr>
+        <p:spPr>
+          <a:xfrm>
+            <a:off x="5088751" y="1940559"/>
+            <a:ext cx="660885" cy="307777"/>
+          </a:xfrm>
+          <a:prstGeom prst="rect">
+            <a:avLst/>
+          </a:prstGeom>
+          <a:noFill/>
+        </p:spPr>
+        <p:txBody>
+          <a:bodyPr wrap="square" rtlCol="0">
+            <a:spAutoFit/>
+          </a:bodyPr>
+          <a:lstStyle/>
+          <a:p>
+            <a:r>
+              <a:rPr lang="en-US" sz="1400" dirty="0" smtClean="0"/>
+              <a:t>items</a:t>
+            </a:r>
+            <a:endParaRPr lang="en-SG" sz="1400" dirty="0"/>
+          </a:p>
+        </p:txBody>
+      </p:sp>
+    </p:spTree>
+    <p:extLst>
+      <p:ext uri="{BB962C8B-B14F-4D97-AF65-F5344CB8AC3E}">
+        <p14:creationId xmlns:p14="http://schemas.microsoft.com/office/powerpoint/2010/main" val="1350418086"/>
+      </p:ext>
+    </p:extLst>
+  </p:cSld>
+  <p:clrMapOvr>
+    <a:masterClrMapping/>
+  </p:clrMapOvr>
+  <p:timing>
+    <p:tnLst>
+      <p:par>
+        <p:cTn id="1" dur="indefinite" restart="never" nodeType="tmRoot"/>
+      </p:par>
+    </p:tnLst>
+  </p:timing>
+</p:sld>
+</file>
+
+<file path=ppt/slides/slide2.xml><?xml version="1.0" encoding="utf-8"?>
+<p:sld xmlns:a="http://schemas.openxmlformats.org/drawingml/2006/main" xmlns:r="http://schemas.openxmlformats.org/officeDocument/2006/relationships" xmlns:p="http://schemas.openxmlformats.org/presentationml/2006/main">
+  <p:cSld>
+    <p:spTree>
+      <p:nvGrpSpPr>
+        <p:cNvPr id="1" name=""/>
+        <p:cNvGrpSpPr/>
+        <p:nvPr/>
+      </p:nvGrpSpPr>
+      <p:grpSpPr>
+        <a:xfrm>
+          <a:off x="0" y="0"/>
+          <a:ext cx="0" cy="0"/>
+          <a:chOff x="0" y="0"/>
+          <a:chExt cx="0" cy="0"/>
+        </a:xfrm>
+      </p:grpSpPr>
+      <p:sp>
+        <p:nvSpPr>
+          <p:cNvPr id="4" name="Rectangle 3"/>
+          <p:cNvSpPr/>
+          <p:nvPr/>
+        </p:nvSpPr>
+        <p:spPr>
+          <a:xfrm>
+            <a:off x="5073249" y="281816"/>
+            <a:ext cx="1258315" cy="540059"/>
+          </a:xfrm>
+          <a:prstGeom prst="rect">
+            <a:avLst/>
+          </a:prstGeom>
+          <a:solidFill>
+            <a:schemeClr val="bg1"/>
+          </a:solidFill>
+          <a:ln>
+            <a:solidFill>
+              <a:schemeClr val="bg1"/>
+            </a:solidFill>
+          </a:ln>
+        </p:spPr>
+        <p:style>
+          <a:lnRef idx="2">
+            <a:schemeClr val="accent3">
+              <a:shade val="50000"/>
+            </a:schemeClr>
+          </a:lnRef>
+          <a:fillRef idx="1">
+            <a:schemeClr val="accent3"/>
+          </a:fillRef>
+          <a:effectRef idx="0">
+            <a:schemeClr val="accent3"/>
+          </a:effectRef>
+          <a:fontRef idx="minor">
+            <a:schemeClr val="lt1"/>
+          </a:fontRef>
+        </p:style>
+        <p:txBody>
+          <a:bodyPr rtlCol="0" anchor="ctr"/>
+          <a:lstStyle/>
+          <a:p>
+            <a:pPr algn="ctr"/>
+            <a:r>
+              <a:rPr lang="en-US" sz="1400" dirty="0" smtClean="0">
+                <a:solidFill>
+                  <a:schemeClr val="tx1"/>
+                </a:solidFill>
+              </a:rPr>
+              <a:t>Billable</a:t>
+            </a:r>
+            <a:endParaRPr lang="en-SG" sz="1400" dirty="0">
+              <a:solidFill>
+                <a:schemeClr val="tx1"/>
+              </a:solidFill>
+            </a:endParaRPr>
+          </a:p>
+        </p:txBody>
+      </p:sp>
+      <p:sp>
+        <p:nvSpPr>
+          <p:cNvPr id="5" name="Rectangle 4"/>
+          <p:cNvSpPr/>
+          <p:nvPr/>
+        </p:nvSpPr>
+        <p:spPr>
+          <a:xfrm>
+            <a:off x="6076397" y="1743439"/>
+            <a:ext cx="1878080" cy="294050"/>
+          </a:xfrm>
+          <a:prstGeom prst="rect">
+            <a:avLst/>
+          </a:prstGeom>
+          <a:solidFill>
+            <a:schemeClr val="bg1"/>
+          </a:solidFill>
+          <a:ln>
+            <a:solidFill>
+              <a:schemeClr val="bg1"/>
+            </a:solidFill>
+          </a:ln>
+        </p:spPr>
+        <p:style>
+          <a:lnRef idx="2">
+            <a:schemeClr val="accent5">
+              <a:shade val="50000"/>
+            </a:schemeClr>
+          </a:lnRef>
+          <a:fillRef idx="1">
+            <a:schemeClr val="accent5"/>
+          </a:fillRef>
+          <a:effectRef idx="0">
+            <a:schemeClr val="accent5"/>
+          </a:effectRef>
+          <a:fontRef idx="minor">
+            <a:schemeClr val="lt1"/>
+          </a:fontRef>
+        </p:style>
+        <p:txBody>
+          <a:bodyPr rtlCol="0" anchor="ctr"/>
+          <a:lstStyle/>
+          <a:p>
+            <a:pPr algn="ctr"/>
+            <a:r>
+              <a:rPr lang="en-US" sz="1400" dirty="0" smtClean="0">
+                <a:solidFill>
+                  <a:schemeClr val="tx1"/>
+                </a:solidFill>
+              </a:rPr>
+              <a:t>Inventory</a:t>
+            </a:r>
+            <a:endParaRPr lang="en-SG" sz="1400" dirty="0">
+              <a:solidFill>
+                <a:schemeClr val="tx1"/>
+              </a:solidFill>
+            </a:endParaRPr>
+          </a:p>
+        </p:txBody>
+      </p:sp>
+      <p:sp>
+        <p:nvSpPr>
+          <p:cNvPr id="15" name="Rectangle 14"/>
+          <p:cNvSpPr/>
+          <p:nvPr/>
+        </p:nvSpPr>
+        <p:spPr>
+          <a:xfrm>
+            <a:off x="1124182" y="3153342"/>
+            <a:ext cx="1395727" cy="312344"/>
+          </a:xfrm>
+          <a:prstGeom prst="rect">
+            <a:avLst/>
+          </a:prstGeom>
+          <a:solidFill>
+            <a:schemeClr val="bg1"/>
+          </a:solidFill>
+          <a:ln>
+            <a:solidFill>
+              <a:schemeClr val="bg1"/>
+            </a:solidFill>
+          </a:ln>
+        </p:spPr>
+        <p:style>
+          <a:lnRef idx="2">
+            <a:schemeClr val="accent6">
+              <a:shade val="50000"/>
+            </a:schemeClr>
+          </a:lnRef>
+          <a:fillRef idx="1">
+            <a:schemeClr val="accent6"/>
+          </a:fillRef>
+          <a:effectRef idx="0">
+            <a:schemeClr val="accent6"/>
+          </a:effectRef>
+          <a:fontRef idx="minor">
+            <a:schemeClr val="lt1"/>
+          </a:fontRef>
+        </p:style>
+        <p:txBody>
+          <a:bodyPr rtlCol="0" anchor="ctr"/>
+          <a:lstStyle/>
+          <a:p>
+            <a:pPr algn="ctr"/>
+            <a:r>
+              <a:rPr lang="en-US" sz="1400" dirty="0" smtClean="0">
+                <a:solidFill>
+                  <a:schemeClr val="tx1"/>
+                </a:solidFill>
+              </a:rPr>
+              <a:t>Review</a:t>
+            </a:r>
+            <a:endParaRPr lang="en-SG" sz="1400" dirty="0">
+              <a:solidFill>
+                <a:schemeClr val="tx1"/>
+              </a:solidFill>
+            </a:endParaRPr>
+          </a:p>
+        </p:txBody>
+      </p:sp>
+      <p:sp>
+        <p:nvSpPr>
+          <p:cNvPr id="37" name="Rectangle 36"/>
+          <p:cNvSpPr/>
+          <p:nvPr/>
+        </p:nvSpPr>
+        <p:spPr>
+          <a:xfrm>
+            <a:off x="3559349" y="1603107"/>
+            <a:ext cx="1513900" cy="574714"/>
+          </a:xfrm>
+          <a:prstGeom prst="rect">
+            <a:avLst/>
+          </a:prstGeom>
+          <a:solidFill>
+            <a:schemeClr val="bg1"/>
+          </a:solidFill>
+          <a:ln>
+            <a:solidFill>
+              <a:schemeClr val="bg1"/>
+            </a:solidFill>
+          </a:ln>
         </p:spPr>
         <p:style>
           <a:lnRef idx="2">
@@ -4065,24 +4988,45 @@
           <a:bodyPr rtlCol="0" anchor="ctr"/>
           <a:lstStyle/>
           <a:p>
-            <a:endParaRPr lang="en-US" sz="1400" dirty="0" smtClean="0"/>
-          </a:p>
-        </p:txBody>
-      </p:sp>
-      <p:sp>
-        <p:nvSpPr>
-          <p:cNvPr id="79" name="Rectangle 78"/>
+            <a:pPr algn="ctr"/>
+            <a:r>
+              <a:rPr lang="en-US" sz="1400" dirty="0" smtClean="0">
+                <a:solidFill>
+                  <a:schemeClr val="tx1"/>
+                </a:solidFill>
+              </a:rPr>
+              <a:t>Item</a:t>
+            </a:r>
+            <a:endParaRPr lang="en-SG" sz="1400" dirty="0">
+              <a:solidFill>
+                <a:schemeClr val="tx1"/>
+              </a:solidFill>
+            </a:endParaRPr>
+          </a:p>
+        </p:txBody>
+      </p:sp>
+      <p:sp>
+        <p:nvSpPr>
+          <p:cNvPr id="49" name="Rectangle 48"/>
           <p:cNvSpPr/>
           <p:nvPr/>
         </p:nvSpPr>
         <p:spPr>
           <a:xfrm>
-            <a:off x="3559349" y="2315582"/>
-            <a:ext cx="1513900" cy="298463"/>
+            <a:off x="3218997" y="3139375"/>
+            <a:ext cx="2194605" cy="310743"/>
           </a:xfrm>
           <a:prstGeom prst="rect">
             <a:avLst/>
           </a:prstGeom>
+          <a:solidFill>
+            <a:schemeClr val="bg1"/>
+          </a:solidFill>
+          <a:ln>
+            <a:solidFill>
+              <a:schemeClr val="bg1"/>
+            </a:solidFill>
+          </a:ln>
         </p:spPr>
         <p:style>
           <a:lnRef idx="2">
@@ -4104,581 +5048,100 @@
           <a:bodyPr rtlCol="0" anchor="ctr"/>
           <a:lstStyle/>
           <a:p>
-            <a:r>
-              <a:rPr lang="en-US" sz="1400" dirty="0" smtClean="0"/>
-              <a:t>+print() {abstract}</a:t>
-            </a:r>
-          </a:p>
-        </p:txBody>
-      </p:sp>
-      <p:cxnSp>
-        <p:nvCxnSpPr>
-          <p:cNvPr id="103" name="Elbow Connector 102"/>
-          <p:cNvCxnSpPr>
-            <a:stCxn id="5" idx="0"/>
-            <a:endCxn id="4" idx="3"/>
-          </p:cNvCxnSpPr>
+            <a:pPr algn="ctr"/>
+            <a:r>
+              <a:rPr lang="en-US" sz="1400" dirty="0" err="1" smtClean="0">
+                <a:solidFill>
+                  <a:schemeClr val="tx1"/>
+                </a:solidFill>
+              </a:rPr>
+              <a:t>StockItem</a:t>
+            </a:r>
+            <a:endParaRPr lang="en-SG" sz="1400" dirty="0">
+              <a:solidFill>
+                <a:schemeClr val="tx1"/>
+              </a:solidFill>
+            </a:endParaRPr>
+          </a:p>
+        </p:txBody>
+      </p:sp>
+      <p:sp>
+        <p:nvSpPr>
+          <p:cNvPr id="52" name="Rectangle 51"/>
+          <p:cNvSpPr/>
           <p:nvPr/>
-        </p:nvCxnSpPr>
-        <p:spPr>
-          <a:xfrm rot="16200000" flipV="1">
-            <a:off x="5994441" y="722443"/>
-            <a:ext cx="1071939" cy="970054"/>
-          </a:xfrm>
-          <a:prstGeom prst="bentConnector2">
+        </p:nvSpPr>
+        <p:spPr>
+          <a:xfrm>
+            <a:off x="1034731" y="1556792"/>
+            <a:ext cx="1576377" cy="540059"/>
+          </a:xfrm>
+          <a:prstGeom prst="rect">
             <a:avLst/>
           </a:prstGeom>
+          <a:solidFill>
+            <a:schemeClr val="bg1"/>
+          </a:solidFill>
           <a:ln>
-            <a:prstDash val="sysDash"/>
-            <a:headEnd type="none" w="med" len="med"/>
-            <a:tailEnd type="arrow" w="med" len="med"/>
+            <a:solidFill>
+              <a:schemeClr val="bg1"/>
+            </a:solidFill>
           </a:ln>
         </p:spPr>
         <p:style>
           <a:lnRef idx="2">
-            <a:schemeClr val="accent3">
+            <a:schemeClr val="accent1">
               <a:shade val="50000"/>
             </a:schemeClr>
           </a:lnRef>
           <a:fillRef idx="1">
-            <a:schemeClr val="accent3"/>
+            <a:schemeClr val="accent1"/>
           </a:fillRef>
           <a:effectRef idx="0">
-            <a:schemeClr val="accent3"/>
+            <a:schemeClr val="accent1"/>
           </a:effectRef>
           <a:fontRef idx="minor">
             <a:schemeClr val="lt1"/>
           </a:fontRef>
         </p:style>
-      </p:cxnSp>
-      <p:sp>
-        <p:nvSpPr>
-          <p:cNvPr id="111" name="TextBox 110"/>
-          <p:cNvSpPr txBox="1"/>
-          <p:nvPr/>
-        </p:nvSpPr>
-        <p:spPr>
-          <a:xfrm>
-            <a:off x="2456467" y="3742101"/>
-            <a:ext cx="275507" cy="307777"/>
-          </a:xfrm>
-          <a:prstGeom prst="rect">
-            <a:avLst/>
-          </a:prstGeom>
-          <a:noFill/>
-        </p:spPr>
-        <p:txBody>
-          <a:bodyPr wrap="square" rtlCol="0">
-            <a:spAutoFit/>
-          </a:bodyPr>
-          <a:lstStyle/>
-          <a:p>
-            <a:r>
-              <a:rPr lang="en-US" sz="1400" dirty="0"/>
-              <a:t>1</a:t>
-            </a:r>
-            <a:endParaRPr lang="en-SG" sz="1400" dirty="0"/>
-          </a:p>
-        </p:txBody>
-      </p:sp>
-      <p:sp>
-        <p:nvSpPr>
-          <p:cNvPr id="113" name="Rectangle 112"/>
-          <p:cNvSpPr/>
-          <p:nvPr/>
-        </p:nvSpPr>
-        <p:spPr>
-          <a:xfrm>
-            <a:off x="1187624" y="3843661"/>
-            <a:ext cx="1268843" cy="312344"/>
-          </a:xfrm>
-          <a:prstGeom prst="rect">
-            <a:avLst/>
-          </a:prstGeom>
-        </p:spPr>
-        <p:style>
-          <a:lnRef idx="2">
-            <a:schemeClr val="accent6">
-              <a:shade val="50000"/>
-            </a:schemeClr>
-          </a:lnRef>
-          <a:fillRef idx="1">
-            <a:schemeClr val="accent6"/>
-          </a:fillRef>
-          <a:effectRef idx="0">
-            <a:schemeClr val="accent6"/>
-          </a:effectRef>
-          <a:fontRef idx="minor">
-            <a:schemeClr val="lt1"/>
-          </a:fontRef>
-        </p:style>
         <p:txBody>
           <a:bodyPr rtlCol="0" anchor="ctr"/>
           <a:lstStyle/>
           <a:p>
-            <a:r>
-              <a:rPr lang="en-US" sz="1400" dirty="0" smtClean="0"/>
-              <a:t>-</a:t>
-            </a:r>
-            <a:r>
-              <a:rPr lang="en-US" sz="1400" dirty="0" err="1" smtClean="0"/>
-              <a:t>rating:Rating</a:t>
-            </a:r>
-            <a:endParaRPr lang="en-SG" sz="1400" dirty="0"/>
-          </a:p>
-        </p:txBody>
-      </p:sp>
-      <p:sp>
-        <p:nvSpPr>
-          <p:cNvPr id="118" name="Rectangle 117"/>
-          <p:cNvSpPr/>
-          <p:nvPr/>
-        </p:nvSpPr>
-        <p:spPr>
-          <a:xfrm>
-            <a:off x="4787064" y="1082200"/>
-            <a:ext cx="1258315" cy="347411"/>
-          </a:xfrm>
-          <a:prstGeom prst="rect">
-            <a:avLst/>
-          </a:prstGeom>
-          <a:ln/>
-        </p:spPr>
-        <p:style>
-          <a:lnRef idx="2">
-            <a:schemeClr val="accent3">
-              <a:shade val="50000"/>
-            </a:schemeClr>
-          </a:lnRef>
-          <a:fillRef idx="1">
-            <a:schemeClr val="accent3"/>
-          </a:fillRef>
-          <a:effectRef idx="0">
-            <a:schemeClr val="accent3"/>
-          </a:effectRef>
-          <a:fontRef idx="minor">
-            <a:schemeClr val="lt1"/>
-          </a:fontRef>
-        </p:style>
-        <p:txBody>
-          <a:bodyPr rtlCol="0" anchor="ctr"/>
-          <a:lstStyle/>
-          <a:p>
-            <a:r>
-              <a:rPr lang="en-US" sz="1400" dirty="0"/>
-              <a:t>b</a:t>
-            </a:r>
-            <a:r>
-              <a:rPr lang="en-US" sz="1400" dirty="0" smtClean="0"/>
-              <a:t>ill()</a:t>
-            </a:r>
-            <a:endParaRPr lang="en-SG" sz="1400" dirty="0"/>
-          </a:p>
-        </p:txBody>
-      </p:sp>
-      <p:sp>
-        <p:nvSpPr>
-          <p:cNvPr id="119" name="Rectangle 118"/>
-          <p:cNvSpPr/>
-          <p:nvPr/>
-        </p:nvSpPr>
-        <p:spPr>
-          <a:xfrm>
-            <a:off x="4787066" y="903537"/>
-            <a:ext cx="1258315" cy="205345"/>
-          </a:xfrm>
-          <a:prstGeom prst="rect">
-            <a:avLst/>
-          </a:prstGeom>
-          <a:ln/>
-        </p:spPr>
-        <p:style>
-          <a:lnRef idx="2">
-            <a:schemeClr val="accent3">
-              <a:shade val="50000"/>
-            </a:schemeClr>
-          </a:lnRef>
-          <a:fillRef idx="1">
-            <a:schemeClr val="accent3"/>
-          </a:fillRef>
-          <a:effectRef idx="0">
-            <a:schemeClr val="accent3"/>
-          </a:effectRef>
-          <a:fontRef idx="minor">
-            <a:schemeClr val="lt1"/>
-          </a:fontRef>
-        </p:style>
-        <p:txBody>
-          <a:bodyPr rtlCol="0" anchor="ctr"/>
-          <a:lstStyle/>
-          <a:p>
             <a:pPr algn="ctr"/>
-            <a:endParaRPr lang="en-SG" sz="1400" dirty="0"/>
-          </a:p>
-        </p:txBody>
-      </p:sp>
-      <p:sp>
-        <p:nvSpPr>
-          <p:cNvPr id="29" name="Rectangle 28"/>
-          <p:cNvSpPr/>
-          <p:nvPr/>
-        </p:nvSpPr>
-        <p:spPr>
-          <a:xfrm>
-            <a:off x="6405786" y="5589240"/>
-            <a:ext cx="1219302" cy="294050"/>
-          </a:xfrm>
-          <a:prstGeom prst="rect">
-            <a:avLst/>
-          </a:prstGeom>
-        </p:spPr>
-        <p:style>
-          <a:lnRef idx="2">
-            <a:schemeClr val="accent5">
-              <a:shade val="50000"/>
-            </a:schemeClr>
-          </a:lnRef>
-          <a:fillRef idx="1">
-            <a:schemeClr val="accent5"/>
-          </a:fillRef>
-          <a:effectRef idx="0">
-            <a:schemeClr val="accent5"/>
-          </a:effectRef>
-          <a:fontRef idx="minor">
-            <a:schemeClr val="lt1"/>
-          </a:fontRef>
-        </p:style>
-        <p:txBody>
-          <a:bodyPr rtlCol="0" anchor="ctr"/>
-          <a:lstStyle/>
-          <a:p>
-            <a:pPr algn="ctr"/>
-            <a:r>
-              <a:rPr lang="en-US" sz="1400" u="sng" dirty="0" smtClean="0"/>
-              <a:t>:Inventory</a:t>
-            </a:r>
-            <a:endParaRPr lang="en-SG" sz="1400" u="sng" dirty="0"/>
-          </a:p>
-        </p:txBody>
-      </p:sp>
-      <p:sp>
-        <p:nvSpPr>
-          <p:cNvPr id="31" name="Rectangle 30"/>
-          <p:cNvSpPr/>
-          <p:nvPr/>
-        </p:nvSpPr>
-        <p:spPr>
-          <a:xfrm>
-            <a:off x="3876805" y="5597822"/>
-            <a:ext cx="1648839" cy="310743"/>
-          </a:xfrm>
-          <a:prstGeom prst="rect">
-            <a:avLst/>
-          </a:prstGeom>
-        </p:spPr>
-        <p:style>
-          <a:lnRef idx="2">
-            <a:schemeClr val="accent2">
-              <a:shade val="50000"/>
-            </a:schemeClr>
-          </a:lnRef>
-          <a:fillRef idx="1">
-            <a:schemeClr val="accent2"/>
-          </a:fillRef>
-          <a:effectRef idx="0">
-            <a:schemeClr val="accent2"/>
-          </a:effectRef>
-          <a:fontRef idx="minor">
-            <a:schemeClr val="lt1"/>
-          </a:fontRef>
-        </p:style>
-        <p:txBody>
-          <a:bodyPr rtlCol="0" anchor="ctr"/>
-          <a:lstStyle/>
-          <a:p>
-            <a:pPr algn="ctr"/>
-            <a:r>
-              <a:rPr lang="en-US" sz="1400" u="sng" dirty="0" smtClean="0"/>
-              <a:t>:</a:t>
-            </a:r>
-            <a:r>
-              <a:rPr lang="en-US" sz="1400" u="sng" dirty="0" err="1" smtClean="0"/>
-              <a:t>StockItem</a:t>
-            </a:r>
-            <a:endParaRPr lang="en-SG" sz="1400" u="sng" dirty="0"/>
-          </a:p>
-        </p:txBody>
-      </p:sp>
-      <p:sp>
-        <p:nvSpPr>
-          <p:cNvPr id="32" name="Rectangle 31"/>
-          <p:cNvSpPr/>
-          <p:nvPr/>
-        </p:nvSpPr>
-        <p:spPr>
-          <a:xfrm>
-            <a:off x="3876805" y="5916379"/>
-            <a:ext cx="1640807" cy="484744"/>
-          </a:xfrm>
-          <a:prstGeom prst="rect">
-            <a:avLst/>
-          </a:prstGeom>
-        </p:spPr>
-        <p:style>
-          <a:lnRef idx="2">
-            <a:schemeClr val="accent2">
-              <a:shade val="50000"/>
-            </a:schemeClr>
-          </a:lnRef>
-          <a:fillRef idx="1">
-            <a:schemeClr val="accent2"/>
-          </a:fillRef>
-          <a:effectRef idx="0">
-            <a:schemeClr val="accent2"/>
-          </a:effectRef>
-          <a:fontRef idx="minor">
-            <a:schemeClr val="lt1"/>
-          </a:fontRef>
-        </p:style>
-        <p:txBody>
-          <a:bodyPr rtlCol="0" anchor="ctr"/>
-          <a:lstStyle/>
-          <a:p>
-            <a:r>
-              <a:rPr lang="en-US" sz="1400" dirty="0"/>
-              <a:t>n</a:t>
-            </a:r>
-            <a:r>
-              <a:rPr lang="en-US" sz="1400" dirty="0" smtClean="0"/>
-              <a:t>ame = “spanner”</a:t>
-            </a:r>
-          </a:p>
-          <a:p>
-            <a:endParaRPr lang="en-SG" sz="1400" dirty="0"/>
-          </a:p>
-        </p:txBody>
-      </p:sp>
-      <p:sp>
-        <p:nvSpPr>
-          <p:cNvPr id="33" name="Rectangle 32"/>
-          <p:cNvSpPr/>
-          <p:nvPr/>
-        </p:nvSpPr>
-        <p:spPr>
-          <a:xfrm>
-            <a:off x="1603291" y="5614842"/>
-            <a:ext cx="1268843" cy="312344"/>
-          </a:xfrm>
-          <a:prstGeom prst="rect">
-            <a:avLst/>
-          </a:prstGeom>
-        </p:spPr>
-        <p:style>
-          <a:lnRef idx="2">
-            <a:schemeClr val="accent6">
-              <a:shade val="50000"/>
-            </a:schemeClr>
-          </a:lnRef>
-          <a:fillRef idx="1">
-            <a:schemeClr val="accent6"/>
-          </a:fillRef>
-          <a:effectRef idx="0">
-            <a:schemeClr val="accent6"/>
-          </a:effectRef>
-          <a:fontRef idx="minor">
-            <a:schemeClr val="lt1"/>
-          </a:fontRef>
-        </p:style>
-        <p:txBody>
-          <a:bodyPr rtlCol="0" anchor="ctr"/>
-          <a:lstStyle/>
-          <a:p>
-            <a:pPr algn="ctr"/>
-            <a:r>
-              <a:rPr lang="en-US" sz="1400" u="sng" dirty="0" smtClean="0"/>
-              <a:t>:Review</a:t>
-            </a:r>
-            <a:endParaRPr lang="en-SG" sz="1400" u="sng" dirty="0"/>
-          </a:p>
-        </p:txBody>
-      </p:sp>
-      <p:cxnSp>
-        <p:nvCxnSpPr>
-          <p:cNvPr id="34" name="Elbow Connector 33"/>
-          <p:cNvCxnSpPr>
-            <a:stCxn id="35" idx="1"/>
-            <a:endCxn id="33" idx="3"/>
-          </p:cNvCxnSpPr>
-          <p:nvPr/>
-        </p:nvCxnSpPr>
-        <p:spPr>
-          <a:xfrm rot="10800000" flipV="1">
-            <a:off x="2872135" y="5765222"/>
-            <a:ext cx="763441" cy="5791"/>
-          </a:xfrm>
-          <a:prstGeom prst="bentConnector3">
-            <a:avLst>
-              <a:gd name="adj1" fmla="val 50000"/>
-            </a:avLst>
-          </a:prstGeom>
-          <a:ln>
-            <a:tailEnd type="arrow"/>
-          </a:ln>
-        </p:spPr>
-        <p:style>
-          <a:lnRef idx="2">
-            <a:schemeClr val="accent6">
-              <a:shade val="50000"/>
-            </a:schemeClr>
-          </a:lnRef>
-          <a:fillRef idx="1">
-            <a:schemeClr val="accent6"/>
-          </a:fillRef>
-          <a:effectRef idx="0">
-            <a:schemeClr val="accent6"/>
-          </a:effectRef>
-          <a:fontRef idx="minor">
-            <a:schemeClr val="lt1"/>
-          </a:fontRef>
-        </p:style>
-      </p:cxnSp>
-      <p:sp>
-        <p:nvSpPr>
-          <p:cNvPr id="35" name="Flowchart: Decision 34"/>
-          <p:cNvSpPr/>
-          <p:nvPr/>
-        </p:nvSpPr>
-        <p:spPr>
-          <a:xfrm>
-            <a:off x="3635575" y="5625440"/>
-            <a:ext cx="266061" cy="279566"/>
-          </a:xfrm>
-          <a:prstGeom prst="flowChartDecision">
-            <a:avLst/>
-          </a:prstGeom>
-        </p:spPr>
-        <p:style>
-          <a:lnRef idx="2">
-            <a:schemeClr val="accent6">
-              <a:shade val="50000"/>
-            </a:schemeClr>
-          </a:lnRef>
-          <a:fillRef idx="1">
-            <a:schemeClr val="accent6"/>
-          </a:fillRef>
-          <a:effectRef idx="0">
-            <a:schemeClr val="accent6"/>
-          </a:effectRef>
-          <a:fontRef idx="minor">
-            <a:schemeClr val="lt1"/>
-          </a:fontRef>
-        </p:style>
-        <p:txBody>
-          <a:bodyPr rtlCol="0" anchor="ctr"/>
-          <a:lstStyle/>
-          <a:p>
-            <a:pPr algn="ctr"/>
-            <a:endParaRPr lang="en-US" sz="1400"/>
-          </a:p>
-        </p:txBody>
-      </p:sp>
-      <p:sp>
-        <p:nvSpPr>
-          <p:cNvPr id="38" name="Rectangle 37"/>
-          <p:cNvSpPr/>
-          <p:nvPr/>
-        </p:nvSpPr>
-        <p:spPr>
-          <a:xfrm>
-            <a:off x="1603291" y="5921394"/>
-            <a:ext cx="1268843" cy="312344"/>
-          </a:xfrm>
-          <a:prstGeom prst="rect">
-            <a:avLst/>
-          </a:prstGeom>
-        </p:spPr>
-        <p:style>
-          <a:lnRef idx="2">
-            <a:schemeClr val="accent6">
-              <a:shade val="50000"/>
-            </a:schemeClr>
-          </a:lnRef>
-          <a:fillRef idx="1">
-            <a:schemeClr val="accent6"/>
-          </a:fillRef>
-          <a:effectRef idx="0">
-            <a:schemeClr val="accent6"/>
-          </a:effectRef>
-          <a:fontRef idx="minor">
-            <a:schemeClr val="lt1"/>
-          </a:fontRef>
-        </p:style>
-        <p:txBody>
-          <a:bodyPr rtlCol="0" anchor="ctr"/>
-          <a:lstStyle/>
-          <a:p>
-            <a:r>
-              <a:rPr lang="en-US" sz="1400" dirty="0"/>
-              <a:t>r</a:t>
-            </a:r>
-            <a:r>
-              <a:rPr lang="en-US" sz="1400" dirty="0" smtClean="0"/>
-              <a:t>ating=POOR</a:t>
-            </a:r>
-            <a:endParaRPr lang="en-SG" sz="1400" dirty="0"/>
-          </a:p>
-        </p:txBody>
-      </p:sp>
-      <p:cxnSp>
-        <p:nvCxnSpPr>
-          <p:cNvPr id="39" name="Elbow Connector 38"/>
-          <p:cNvCxnSpPr>
-            <a:stCxn id="29" idx="1"/>
-            <a:endCxn id="31" idx="3"/>
-          </p:cNvCxnSpPr>
-          <p:nvPr/>
-        </p:nvCxnSpPr>
-        <p:spPr>
-          <a:xfrm rot="10800000" flipV="1">
-            <a:off x="5525644" y="5736264"/>
-            <a:ext cx="880142" cy="16929"/>
-          </a:xfrm>
-          <a:prstGeom prst="bentConnector3">
-            <a:avLst>
-              <a:gd name="adj1" fmla="val 50000"/>
-            </a:avLst>
-          </a:prstGeom>
-          <a:ln>
-            <a:tailEnd type="arrow"/>
-          </a:ln>
-        </p:spPr>
-        <p:style>
-          <a:lnRef idx="2">
-            <a:schemeClr val="accent5">
-              <a:shade val="50000"/>
-            </a:schemeClr>
-          </a:lnRef>
-          <a:fillRef idx="1">
-            <a:schemeClr val="accent5"/>
-          </a:fillRef>
-          <a:effectRef idx="0">
-            <a:schemeClr val="accent5"/>
-          </a:effectRef>
-          <a:fontRef idx="minor">
-            <a:schemeClr val="lt1"/>
-          </a:fontRef>
-        </p:style>
-      </p:cxnSp>
+            <a:r>
+              <a:rPr lang="en-US" sz="1400" dirty="0" smtClean="0">
+                <a:solidFill>
+                  <a:schemeClr val="tx1"/>
+                </a:solidFill>
+              </a:rPr>
+              <a:t>Rating</a:t>
+            </a:r>
+            <a:endParaRPr lang="en-SG" sz="1400" dirty="0">
+              <a:solidFill>
+                <a:schemeClr val="tx1"/>
+              </a:solidFill>
+            </a:endParaRPr>
+          </a:p>
+        </p:txBody>
+      </p:sp>
     </p:spTree>
     <p:extLst>
       <p:ext uri="{BB962C8B-B14F-4D97-AF65-F5344CB8AC3E}">
-        <p14:creationId xmlns:p14="http://schemas.microsoft.com/office/powerpoint/2010/main" val="1350418086"/>
+        <p14:creationId xmlns:p14="http://schemas.microsoft.com/office/powerpoint/2010/main" val="3922707539"/>
       </p:ext>
     </p:extLst>
   </p:cSld>
   <p:clrMapOvr>
     <a:masterClrMapping/>
   </p:clrMapOvr>
+  <p:timing>
+    <p:tnLst>
+      <p:par>
+        <p:cTn id="1" dur="indefinite" restart="never" nodeType="tmRoot"/>
+      </p:par>
+    </p:tnLst>
+  </p:timing>
 </p:sld>
 </file>
 
